--- a/public/templates/certificado/verso-3a.pptx
+++ b/public/templates/certificado/verso-3a.pptx
@@ -3082,7 +3082,7 @@
         <p:spPr>
           <a:xfrm>
             <a:off x="6878160" y="1507536"/>
-            <a:ext cx="2346840" cy="983431"/>
+            <a:ext cx="2346840" cy="1075764"/>
           </a:xfrm>
           <a:prstGeom prst="rect">
             <a:avLst/>
@@ -3155,6 +3155,47 @@
                 <a:spcPct val="100000"/>
               </a:lnSpc>
             </a:pPr>
+            <a:endParaRPr lang="pt-BR" sz="700" b="0" u="none" strike="noStrike" dirty="0">
+              <a:solidFill>
+                <a:srgbClr val="000000"/>
+              </a:solidFill>
+              <a:uFillTx/>
+              <a:latin typeface="Arial"/>
+            </a:endParaRPr>
+          </a:p>
+          <a:p>
+            <a:pPr algn="ctr" defTabSz="914400">
+              <a:lnSpc>
+                <a:spcPct val="100000"/>
+              </a:lnSpc>
+            </a:pPr>
+            <a:endParaRPr lang="pt-BR" sz="700" dirty="0">
+              <a:solidFill>
+                <a:srgbClr val="000000"/>
+              </a:solidFill>
+              <a:latin typeface="Arial"/>
+            </a:endParaRPr>
+          </a:p>
+          <a:p>
+            <a:pPr algn="ctr" defTabSz="914400">
+              <a:lnSpc>
+                <a:spcPct val="100000"/>
+              </a:lnSpc>
+            </a:pPr>
+            <a:endParaRPr lang="pt-BR" sz="700" b="0" u="none" strike="noStrike" dirty="0">
+              <a:solidFill>
+                <a:srgbClr val="000000"/>
+              </a:solidFill>
+              <a:uFillTx/>
+              <a:latin typeface="Arial"/>
+            </a:endParaRPr>
+          </a:p>
+          <a:p>
+            <a:pPr algn="ctr" defTabSz="914400">
+              <a:lnSpc>
+                <a:spcPct val="100000"/>
+              </a:lnSpc>
+            </a:pPr>
             <a:r>
               <a:rPr lang="pt-BR" sz="700" b="0" u="none" strike="noStrike" dirty="0">
                 <a:solidFill>
@@ -3312,34 +3353,6 @@
               <a:uFillTx/>
               <a:latin typeface="Arial"/>
               <a:cs typeface="Arial"/>
-            </a:endParaRPr>
-          </a:p>
-          <a:p>
-            <a:pPr algn="ctr" defTabSz="914400">
-              <a:lnSpc>
-                <a:spcPct val="100000"/>
-              </a:lnSpc>
-            </a:pPr>
-            <a:endParaRPr lang="en-US" sz="700" b="0" u="none" strike="noStrike" dirty="0">
-              <a:solidFill>
-                <a:srgbClr val="000000"/>
-              </a:solidFill>
-              <a:uFillTx/>
-              <a:latin typeface="Arial"/>
-            </a:endParaRPr>
-          </a:p>
-          <a:p>
-            <a:pPr algn="ctr" defTabSz="914400">
-              <a:lnSpc>
-                <a:spcPct val="100000"/>
-              </a:lnSpc>
-            </a:pPr>
-            <a:endParaRPr lang="en-US" sz="700" b="0" u="none" strike="noStrike" dirty="0">
-              <a:solidFill>
-                <a:srgbClr val="000000"/>
-              </a:solidFill>
-              <a:uFillTx/>
-              <a:latin typeface="Arial"/>
             </a:endParaRPr>
           </a:p>
         </p:txBody>
@@ -3613,8 +3626,8 @@
         </p:nvSpPr>
         <p:spPr>
           <a:xfrm>
-            <a:off x="6878160" y="2569536"/>
-            <a:ext cx="2346840" cy="968042"/>
+            <a:off x="6878160" y="2614692"/>
+            <a:ext cx="2346840" cy="1075764"/>
           </a:xfrm>
           <a:prstGeom prst="rect">
             <a:avLst/>
@@ -3677,6 +3690,33 @@
           </a:p>
           <a:p>
             <a:pPr algn="ctr"/>
+            <a:endParaRPr lang="pt-BR" sz="700" dirty="0">
+              <a:solidFill>
+                <a:schemeClr val="dk1"/>
+              </a:solidFill>
+              <a:latin typeface="Arial"/>
+            </a:endParaRPr>
+          </a:p>
+          <a:p>
+            <a:pPr algn="ctr"/>
+            <a:endParaRPr lang="pt-BR" sz="700" dirty="0">
+              <a:solidFill>
+                <a:schemeClr val="dk1"/>
+              </a:solidFill>
+              <a:latin typeface="Arial"/>
+            </a:endParaRPr>
+          </a:p>
+          <a:p>
+            <a:pPr algn="ctr"/>
+            <a:endParaRPr lang="pt-BR" sz="700" dirty="0">
+              <a:solidFill>
+                <a:schemeClr val="dk1"/>
+              </a:solidFill>
+              <a:latin typeface="Arial"/>
+            </a:endParaRPr>
+          </a:p>
+          <a:p>
+            <a:pPr algn="ctr"/>
             <a:r>
               <a:rPr lang="pt-BR" sz="700" dirty="0">
                 <a:solidFill>
@@ -3746,32 +3786,6 @@
               </a:rPr>
               <a:t>[registro_qualificacao2]</a:t>
             </a:r>
-            <a:endParaRPr lang="en-US" sz="700" dirty="0">
-              <a:solidFill>
-                <a:schemeClr val="dk1"/>
-              </a:solidFill>
-            </a:endParaRPr>
-          </a:p>
-          <a:p>
-            <a:pPr algn="ctr" defTabSz="914400">
-              <a:lnSpc>
-                <a:spcPct val="100000"/>
-              </a:lnSpc>
-            </a:pPr>
-            <a:endParaRPr lang="en-US" sz="700" b="0" u="none" strike="noStrike" dirty="0">
-              <a:solidFill>
-                <a:srgbClr val="000000"/>
-              </a:solidFill>
-              <a:uFillTx/>
-              <a:latin typeface="Arial"/>
-            </a:endParaRPr>
-          </a:p>
-          <a:p>
-            <a:pPr defTabSz="914400">
-              <a:lnSpc>
-                <a:spcPct val="100000"/>
-              </a:lnSpc>
-            </a:pPr>
             <a:endParaRPr lang="en-US" sz="700" b="0" u="none" strike="noStrike" dirty="0">
               <a:solidFill>
                 <a:srgbClr val="000000"/>
@@ -3796,8 +3810,8 @@
         </p:nvSpPr>
         <p:spPr>
           <a:xfrm>
-            <a:off x="6878160" y="3631536"/>
-            <a:ext cx="2346840" cy="968042"/>
+            <a:off x="6878160" y="3716234"/>
+            <a:ext cx="2346840" cy="1075764"/>
           </a:xfrm>
           <a:prstGeom prst="rect">
             <a:avLst/>
@@ -3864,6 +3878,47 @@
                 <a:spcPct val="100000"/>
               </a:lnSpc>
             </a:pPr>
+            <a:endParaRPr lang="pt-BR" sz="700" b="0" u="none" strike="noStrike" dirty="0">
+              <a:solidFill>
+                <a:schemeClr val="dk1"/>
+              </a:solidFill>
+              <a:uFillTx/>
+              <a:latin typeface="Arial"/>
+            </a:endParaRPr>
+          </a:p>
+          <a:p>
+            <a:pPr algn="ctr" defTabSz="914400">
+              <a:lnSpc>
+                <a:spcPct val="100000"/>
+              </a:lnSpc>
+            </a:pPr>
+            <a:endParaRPr lang="pt-BR" sz="700" dirty="0">
+              <a:solidFill>
+                <a:schemeClr val="dk1"/>
+              </a:solidFill>
+              <a:latin typeface="Arial"/>
+            </a:endParaRPr>
+          </a:p>
+          <a:p>
+            <a:pPr algn="ctr" defTabSz="914400">
+              <a:lnSpc>
+                <a:spcPct val="100000"/>
+              </a:lnSpc>
+            </a:pPr>
+            <a:endParaRPr lang="pt-BR" sz="700" b="0" u="none" strike="noStrike" dirty="0">
+              <a:solidFill>
+                <a:schemeClr val="dk1"/>
+              </a:solidFill>
+              <a:uFillTx/>
+              <a:latin typeface="Arial"/>
+            </a:endParaRPr>
+          </a:p>
+          <a:p>
+            <a:pPr algn="ctr" defTabSz="914400">
+              <a:lnSpc>
+                <a:spcPct val="100000"/>
+              </a:lnSpc>
+            </a:pPr>
             <a:r>
               <a:rPr lang="pt-BR" sz="700" b="0" u="none" strike="noStrike" dirty="0">
                 <a:solidFill>
@@ -4034,34 +4089,6 @@
               <a:solidFill>
                 <a:schemeClr val="dk1"/>
               </a:solidFill>
-            </a:endParaRPr>
-          </a:p>
-          <a:p>
-            <a:pPr algn="ctr" defTabSz="914400">
-              <a:lnSpc>
-                <a:spcPct val="100000"/>
-              </a:lnSpc>
-            </a:pPr>
-            <a:endParaRPr lang="en-US" sz="700" b="0" u="none" strike="noStrike" dirty="0">
-              <a:solidFill>
-                <a:srgbClr val="000000"/>
-              </a:solidFill>
-              <a:uFillTx/>
-              <a:latin typeface="Arial"/>
-            </a:endParaRPr>
-          </a:p>
-          <a:p>
-            <a:pPr algn="ctr" defTabSz="914400">
-              <a:lnSpc>
-                <a:spcPct val="100000"/>
-              </a:lnSpc>
-            </a:pPr>
-            <a:endParaRPr lang="en-US" sz="700" b="0" u="none" strike="noStrike" dirty="0">
-              <a:solidFill>
-                <a:srgbClr val="000000"/>
-              </a:solidFill>
-              <a:uFillTx/>
-              <a:latin typeface="Arial"/>
             </a:endParaRPr>
           </a:p>
         </p:txBody>
@@ -4109,6 +4136,112 @@
           </a:p>
         </p:txBody>
       </p:sp>
+      <p:pic>
+        <p:nvPicPr>
+          <p:cNvPr id="5" name="Imagem 4" descr="Imagem em preto e branco&#10;&#10;O conteúdo gerado por IA pode estar incorreto.">
+            <a:extLst>
+              <a:ext uri="{FF2B5EF4-FFF2-40B4-BE49-F238E27FC236}">
+                <a16:creationId xmlns:a16="http://schemas.microsoft.com/office/drawing/2014/main" id="{65BF4899-052C-7AAF-154C-ABAD73108B5C}"/>
+              </a:ext>
+            </a:extLst>
+          </p:cNvPr>
+          <p:cNvPicPr>
+            <a:picLocks noChangeAspect="1"/>
+          </p:cNvPicPr>
+          <p:nvPr/>
+        </p:nvPicPr>
+        <p:blipFill>
+          <a:blip r:embed="rId2" cstate="print">
+            <a:extLst>
+              <a:ext uri="{28A0092B-C50C-407E-A947-70E740481C1C}">
+                <a14:useLocalDpi xmlns:a14="http://schemas.microsoft.com/office/drawing/2010/main" val="0"/>
+              </a:ext>
+            </a:extLst>
+          </a:blip>
+          <a:stretch>
+            <a:fillRect/>
+          </a:stretch>
+        </p:blipFill>
+        <p:spPr>
+          <a:xfrm>
+            <a:off x="7375519" y="1352714"/>
+            <a:ext cx="1352121" cy="1223670"/>
+          </a:xfrm>
+          <a:prstGeom prst="rect">
+            <a:avLst/>
+          </a:prstGeom>
+        </p:spPr>
+      </p:pic>
+      <p:pic>
+        <p:nvPicPr>
+          <p:cNvPr id="6" name="Imagem 5">
+            <a:extLst>
+              <a:ext uri="{FF2B5EF4-FFF2-40B4-BE49-F238E27FC236}">
+                <a16:creationId xmlns:a16="http://schemas.microsoft.com/office/drawing/2014/main" id="{2A6102F8-C118-9F1F-8DB3-28C4B72460FF}"/>
+              </a:ext>
+            </a:extLst>
+          </p:cNvPr>
+          <p:cNvPicPr>
+            <a:picLocks noChangeAspect="1"/>
+          </p:cNvPicPr>
+          <p:nvPr/>
+        </p:nvPicPr>
+        <p:blipFill>
+          <a:blip r:embed="rId3" cstate="print">
+            <a:extLst>
+              <a:ext uri="{28A0092B-C50C-407E-A947-70E740481C1C}">
+                <a14:useLocalDpi xmlns:a14="http://schemas.microsoft.com/office/drawing/2010/main" val="0"/>
+              </a:ext>
+            </a:extLst>
+          </a:blip>
+          <a:srcRect/>
+          <a:stretch/>
+        </p:blipFill>
+        <p:spPr>
+          <a:xfrm>
+            <a:off x="7375519" y="2454256"/>
+            <a:ext cx="1352121" cy="1223669"/>
+          </a:xfrm>
+          <a:prstGeom prst="rect">
+            <a:avLst/>
+          </a:prstGeom>
+        </p:spPr>
+      </p:pic>
+      <p:pic>
+        <p:nvPicPr>
+          <p:cNvPr id="7" name="Imagem 6">
+            <a:extLst>
+              <a:ext uri="{FF2B5EF4-FFF2-40B4-BE49-F238E27FC236}">
+                <a16:creationId xmlns:a16="http://schemas.microsoft.com/office/drawing/2014/main" id="{8C6CA74D-79DB-B6C2-D8DF-2E37E7A94DD2}"/>
+              </a:ext>
+            </a:extLst>
+          </p:cNvPr>
+          <p:cNvPicPr>
+            <a:picLocks/>
+          </p:cNvPicPr>
+          <p:nvPr/>
+        </p:nvPicPr>
+        <p:blipFill>
+          <a:blip r:embed="rId4" cstate="print">
+            <a:extLst>
+              <a:ext uri="{28A0092B-C50C-407E-A947-70E740481C1C}">
+                <a14:useLocalDpi xmlns:a14="http://schemas.microsoft.com/office/drawing/2010/main" val="0"/>
+              </a:ext>
+            </a:extLst>
+          </a:blip>
+          <a:srcRect/>
+          <a:stretch/>
+        </p:blipFill>
+        <p:spPr>
+          <a:xfrm>
+            <a:off x="7375518" y="3570831"/>
+            <a:ext cx="1353600" cy="1224000"/>
+          </a:xfrm>
+          <a:prstGeom prst="rect">
+            <a:avLst/>
+          </a:prstGeom>
+        </p:spPr>
+      </p:pic>
     </p:spTree>
   </p:cSld>
   <p:clrMapOvr>

--- a/public/templates/certificado/verso-3a.pptx
+++ b/public/templates/certificado/verso-3a.pptx
@@ -4209,10 +4209,10 @@
       </p:pic>
       <p:pic>
         <p:nvPicPr>
-          <p:cNvPr id="7" name="Imagem 6">
+          <p:cNvPr id="8" name="Imagem 7" descr="Forma&#10;&#10;O conteúdo gerado por IA pode estar incorreto.">
             <a:extLst>
               <a:ext uri="{FF2B5EF4-FFF2-40B4-BE49-F238E27FC236}">
-                <a16:creationId xmlns:a16="http://schemas.microsoft.com/office/drawing/2014/main" id="{8C6CA74D-79DB-B6C2-D8DF-2E37E7A94DD2}"/>
+                <a16:creationId xmlns:a16="http://schemas.microsoft.com/office/drawing/2014/main" id="{D6BFE44D-BE54-3991-7E88-2A67053AE627}"/>
               </a:ext>
             </a:extLst>
           </p:cNvPr>
@@ -4229,13 +4229,14 @@
               </a:ext>
             </a:extLst>
           </a:blip>
-          <a:srcRect/>
-          <a:stretch/>
+          <a:stretch>
+            <a:fillRect/>
+          </a:stretch>
         </p:blipFill>
         <p:spPr>
           <a:xfrm>
-            <a:off x="7375518" y="3570831"/>
-            <a:ext cx="1353600" cy="1224000"/>
+            <a:off x="7395640" y="3567998"/>
+            <a:ext cx="1332000" cy="1224000"/>
           </a:xfrm>
           <a:prstGeom prst="rect">
             <a:avLst/>
